--- a/doc/Predicting Melbourne Housing Prices.pptx
+++ b/doc/Predicting Melbourne Housing Prices.pptx
@@ -2,7 +2,7 @@
 <file path=ppt/presentation.xml><?xml version="1.0" encoding="utf-8"?>
 <p:presentation xmlns:a="http://schemas.openxmlformats.org/drawingml/2006/main" xmlns:r="http://schemas.openxmlformats.org/officeDocument/2006/relationships" xmlns:p="http://schemas.openxmlformats.org/presentationml/2006/main" autoCompressPictures="0">
   <p:sldMasterIdLst>
-    <p:sldMasterId id="2147483648" r:id="rId4"/>
+    <p:sldMasterId id="2147483660" r:id="rId4"/>
   </p:sldMasterIdLst>
   <p:notesMasterIdLst>
     <p:notesMasterId r:id="rId12"/>
@@ -771,7 +771,7 @@
           <a:lstStyle/>
           <a:p>
             <a:fld id="{9AB3A824-1A51-4B26-AD58-A6D8E14F6C04}" type="datetimeFigureOut">
-              <a:rPr lang="en-US" dirty="0"/>
+              <a:rPr lang="en-US" smtClean="0"/>
               <a:t>10/15/2023</a:t>
             </a:fld>
             <a:endParaRPr lang="en-US" dirty="0"/>
@@ -794,10 +794,11 @@
           <a:lstStyle/>
           <a:p>
             <a:r>
-              <a:rPr lang="en-US" dirty="0"/>
+              <a:rPr lang="en-US"/>
               <a:t>
               </a:t>
             </a:r>
+            <a:endParaRPr lang="en-US" dirty="0"/>
           </a:p>
         </p:txBody>
       </p:sp>
@@ -817,7 +818,7 @@
           <a:lstStyle/>
           <a:p>
             <a:fld id="{6D22F896-40B5-4ADD-8801-0D06FADFA095}" type="slidenum">
-              <a:rPr lang="en-US" dirty="0"/>
+              <a:rPr lang="en-US" smtClean="0"/>
               <a:t>‹#›</a:t>
             </a:fld>
             <a:endParaRPr lang="en-US" dirty="0"/>
@@ -866,6 +867,11 @@
         </p:txBody>
       </p:sp>
     </p:spTree>
+    <p:extLst>
+      <p:ext uri="{BB962C8B-B14F-4D97-AF65-F5344CB8AC3E}">
+        <p14:creationId xmlns:p14="http://schemas.microsoft.com/office/powerpoint/2010/main" val="4046668847"/>
+      </p:ext>
+    </p:extLst>
   </p:cSld>
   <p:clrMapOvr>
     <a:masterClrMapping/>
@@ -1055,7 +1061,7 @@
             <a:pPr lvl="0"/>
             <a:r>
               <a:rPr lang="en-US"/>
-              <a:t>Edit Master text styles</a:t>
+              <a:t>Click to edit Master text styles</a:t>
             </a:r>
           </a:p>
           <a:p>
@@ -1105,7 +1111,7 @@
           <a:lstStyle/>
           <a:p>
             <a:fld id="{D857E33E-8B18-4087-B112-809917729534}" type="datetimeFigureOut">
-              <a:rPr lang="en-US" dirty="0"/>
+              <a:rPr lang="en-US" smtClean="0"/>
               <a:t>10/15/2023</a:t>
             </a:fld>
             <a:endParaRPr lang="en-US" dirty="0"/>
@@ -1128,10 +1134,11 @@
           <a:lstStyle/>
           <a:p>
             <a:r>
-              <a:rPr lang="en-US" dirty="0"/>
+              <a:rPr lang="en-US"/>
               <a:t>
               </a:t>
             </a:r>
+            <a:endParaRPr lang="en-US" dirty="0"/>
           </a:p>
         </p:txBody>
       </p:sp>
@@ -1151,7 +1158,7 @@
           <a:lstStyle/>
           <a:p>
             <a:fld id="{6D22F896-40B5-4ADD-8801-0D06FADFA095}" type="slidenum">
-              <a:rPr lang="en-US" dirty="0"/>
+              <a:rPr lang="en-US" smtClean="0"/>
               <a:t>‹#›</a:t>
             </a:fld>
             <a:endParaRPr lang="en-US" dirty="0"/>
@@ -1159,6 +1166,11 @@
         </p:txBody>
       </p:sp>
     </p:spTree>
+    <p:extLst>
+      <p:ext uri="{BB962C8B-B14F-4D97-AF65-F5344CB8AC3E}">
+        <p14:creationId xmlns:p14="http://schemas.microsoft.com/office/powerpoint/2010/main" val="3168573033"/>
+      </p:ext>
+    </p:extLst>
   </p:cSld>
   <p:clrMapOvr>
     <a:masterClrMapping/>
@@ -1357,7 +1369,7 @@
             <a:pPr lvl="0"/>
             <a:r>
               <a:rPr lang="en-US"/>
-              <a:t>Edit Master text styles</a:t>
+              <a:t>Click to edit Master text styles</a:t>
             </a:r>
           </a:p>
           <a:p>
@@ -1407,7 +1419,7 @@
           <a:lstStyle/>
           <a:p>
             <a:fld id="{D3FFE419-2371-464F-8239-3959401C3561}" type="datetimeFigureOut">
-              <a:rPr lang="en-US" dirty="0"/>
+              <a:rPr lang="en-US" smtClean="0"/>
               <a:t>10/15/2023</a:t>
             </a:fld>
             <a:endParaRPr lang="en-US" dirty="0"/>
@@ -1430,10 +1442,11 @@
           <a:lstStyle/>
           <a:p>
             <a:r>
-              <a:rPr lang="en-US" dirty="0"/>
+              <a:rPr lang="en-US"/>
               <a:t>
               </a:t>
             </a:r>
+            <a:endParaRPr lang="en-US" dirty="0"/>
           </a:p>
         </p:txBody>
       </p:sp>
@@ -1453,7 +1466,7 @@
           <a:lstStyle/>
           <a:p>
             <a:fld id="{6D22F896-40B5-4ADD-8801-0D06FADFA095}" type="slidenum">
-              <a:rPr lang="en-US" dirty="0"/>
+              <a:rPr lang="en-US" smtClean="0"/>
               <a:t>‹#›</a:t>
             </a:fld>
             <a:endParaRPr lang="en-US" dirty="0"/>
@@ -1461,6 +1474,11 @@
         </p:txBody>
       </p:sp>
     </p:spTree>
+    <p:extLst>
+      <p:ext uri="{BB962C8B-B14F-4D97-AF65-F5344CB8AC3E}">
+        <p14:creationId xmlns:p14="http://schemas.microsoft.com/office/powerpoint/2010/main" val="593763288"/>
+      </p:ext>
+    </p:extLst>
   </p:cSld>
   <p:clrMapOvr>
     <a:masterClrMapping/>
@@ -1604,7 +1622,7 @@
             <a:pPr lvl="0"/>
             <a:r>
               <a:rPr lang="en-US"/>
-              <a:t>Edit Master text styles</a:t>
+              <a:t>Click to edit Master text styles</a:t>
             </a:r>
           </a:p>
           <a:p>
@@ -1654,7 +1672,7 @@
           <a:lstStyle/>
           <a:p>
             <a:fld id="{97D162C4-EDD9-4389-A98B-B87ECEA2A816}" type="datetimeFigureOut">
-              <a:rPr lang="en-US" dirty="0"/>
+              <a:rPr lang="en-US" smtClean="0"/>
               <a:t>10/15/2023</a:t>
             </a:fld>
             <a:endParaRPr lang="en-US" dirty="0"/>
@@ -1677,10 +1695,11 @@
           <a:lstStyle/>
           <a:p>
             <a:r>
-              <a:rPr lang="en-US" dirty="0"/>
+              <a:rPr lang="en-US"/>
               <a:t>
               </a:t>
             </a:r>
+            <a:endParaRPr lang="en-US" dirty="0"/>
           </a:p>
         </p:txBody>
       </p:sp>
@@ -1700,7 +1719,7 @@
           <a:lstStyle/>
           <a:p>
             <a:fld id="{6D22F896-40B5-4ADD-8801-0D06FADFA095}" type="slidenum">
-              <a:rPr lang="en-US" dirty="0"/>
+              <a:rPr lang="en-US" smtClean="0"/>
               <a:t>‹#›</a:t>
             </a:fld>
             <a:endParaRPr lang="en-US" dirty="0"/>
@@ -1749,6 +1768,11 @@
         </p:txBody>
       </p:sp>
     </p:spTree>
+    <p:extLst>
+      <p:ext uri="{BB962C8B-B14F-4D97-AF65-F5344CB8AC3E}">
+        <p14:creationId xmlns:p14="http://schemas.microsoft.com/office/powerpoint/2010/main" val="17975136"/>
+      </p:ext>
+    </p:extLst>
   </p:cSld>
   <p:clrMapOvr>
     <a:masterClrMapping/>
@@ -2040,7 +2064,7 @@
             <a:pPr lvl="0"/>
             <a:r>
               <a:rPr lang="en-US"/>
-              <a:t>Edit Master text styles</a:t>
+              <a:t>Click to edit Master text styles</a:t>
             </a:r>
           </a:p>
         </p:txBody>
@@ -2061,7 +2085,7 @@
           <a:lstStyle/>
           <a:p>
             <a:fld id="{3E5059C3-6A89-4494-99FF-5A4D6FFD50EB}" type="datetimeFigureOut">
-              <a:rPr lang="en-US" dirty="0"/>
+              <a:rPr lang="en-US" smtClean="0"/>
               <a:t>10/15/2023</a:t>
             </a:fld>
             <a:endParaRPr lang="en-US" dirty="0"/>
@@ -2084,10 +2108,11 @@
           <a:lstStyle/>
           <a:p>
             <a:r>
-              <a:rPr lang="en-US" dirty="0"/>
+              <a:rPr lang="en-US"/>
               <a:t>
               </a:t>
             </a:r>
+            <a:endParaRPr lang="en-US" dirty="0"/>
           </a:p>
         </p:txBody>
       </p:sp>
@@ -2107,7 +2132,7 @@
           <a:lstStyle/>
           <a:p>
             <a:fld id="{6D22F896-40B5-4ADD-8801-0D06FADFA095}" type="slidenum">
-              <a:rPr lang="en-US" dirty="0"/>
+              <a:rPr lang="en-US" smtClean="0"/>
               <a:t>‹#›</a:t>
             </a:fld>
             <a:endParaRPr lang="en-US" dirty="0"/>
@@ -2115,6 +2140,11 @@
         </p:txBody>
       </p:sp>
     </p:spTree>
+    <p:extLst>
+      <p:ext uri="{BB962C8B-B14F-4D97-AF65-F5344CB8AC3E}">
+        <p14:creationId xmlns:p14="http://schemas.microsoft.com/office/powerpoint/2010/main" val="2501262670"/>
+      </p:ext>
+    </p:extLst>
   </p:cSld>
   <p:clrMapOvr>
     <a:masterClrMapping/>
@@ -2268,7 +2298,7 @@
             <a:pPr lvl="0"/>
             <a:r>
               <a:rPr lang="en-US"/>
-              <a:t>Edit Master text styles</a:t>
+              <a:t>Click to edit Master text styles</a:t>
             </a:r>
           </a:p>
           <a:p>
@@ -2325,7 +2355,7 @@
             <a:pPr lvl="0"/>
             <a:r>
               <a:rPr lang="en-US"/>
-              <a:t>Edit Master text styles</a:t>
+              <a:t>Click to edit Master text styles</a:t>
             </a:r>
           </a:p>
           <a:p>
@@ -2375,7 +2405,7 @@
           <a:lstStyle/>
           <a:p>
             <a:fld id="{CA954B2F-12DE-47F5-8894-472B206D2E1E}" type="datetimeFigureOut">
-              <a:rPr lang="en-US" dirty="0"/>
+              <a:rPr lang="en-US" smtClean="0"/>
               <a:t>10/15/2023</a:t>
             </a:fld>
             <a:endParaRPr lang="en-US" dirty="0"/>
@@ -2398,10 +2428,11 @@
           <a:lstStyle/>
           <a:p>
             <a:r>
-              <a:rPr lang="en-US" dirty="0"/>
+              <a:rPr lang="en-US"/>
               <a:t>
               </a:t>
             </a:r>
+            <a:endParaRPr lang="en-US" dirty="0"/>
           </a:p>
         </p:txBody>
       </p:sp>
@@ -2421,7 +2452,7 @@
           <a:lstStyle/>
           <a:p>
             <a:fld id="{6D22F896-40B5-4ADD-8801-0D06FADFA095}" type="slidenum">
-              <a:rPr lang="en-US" dirty="0"/>
+              <a:rPr lang="en-US" smtClean="0"/>
               <a:t>‹#›</a:t>
             </a:fld>
             <a:endParaRPr lang="en-US" dirty="0"/>
@@ -2470,6 +2501,11 @@
         </p:txBody>
       </p:sp>
     </p:spTree>
+    <p:extLst>
+      <p:ext uri="{BB962C8B-B14F-4D97-AF65-F5344CB8AC3E}">
+        <p14:creationId xmlns:p14="http://schemas.microsoft.com/office/powerpoint/2010/main" val="2741353557"/>
+      </p:ext>
+    </p:extLst>
   </p:cSld>
   <p:clrMapOvr>
     <a:masterClrMapping/>
@@ -2710,7 +2746,7 @@
             <a:pPr lvl="0"/>
             <a:r>
               <a:rPr lang="en-US"/>
-              <a:t>Edit Master text styles</a:t>
+              <a:t>Click to edit Master text styles</a:t>
             </a:r>
           </a:p>
         </p:txBody>
@@ -2738,7 +2774,7 @@
             <a:pPr lvl="0"/>
             <a:r>
               <a:rPr lang="en-US"/>
-              <a:t>Edit Master text styles</a:t>
+              <a:t>Click to edit Master text styles</a:t>
             </a:r>
           </a:p>
           <a:p>
@@ -2841,7 +2877,7 @@
             <a:pPr lvl="0"/>
             <a:r>
               <a:rPr lang="en-US"/>
-              <a:t>Edit Master text styles</a:t>
+              <a:t>Click to edit Master text styles</a:t>
             </a:r>
           </a:p>
         </p:txBody>
@@ -2869,7 +2905,7 @@
             <a:pPr lvl="0"/>
             <a:r>
               <a:rPr lang="en-US"/>
-              <a:t>Edit Master text styles</a:t>
+              <a:t>Click to edit Master text styles</a:t>
             </a:r>
           </a:p>
           <a:p>
@@ -2919,7 +2955,7 @@
           <a:lstStyle/>
           <a:p>
             <a:fld id="{3F30E46F-7819-4ACF-B48B-48222C2ACC88}" type="datetimeFigureOut">
-              <a:rPr lang="en-US" dirty="0"/>
+              <a:rPr lang="en-US" smtClean="0"/>
               <a:t>10/15/2023</a:t>
             </a:fld>
             <a:endParaRPr lang="en-US" dirty="0"/>
@@ -2942,10 +2978,11 @@
           <a:lstStyle/>
           <a:p>
             <a:r>
-              <a:rPr lang="en-US" dirty="0"/>
+              <a:rPr lang="en-US"/>
               <a:t>
               </a:t>
             </a:r>
+            <a:endParaRPr lang="en-US" dirty="0"/>
           </a:p>
         </p:txBody>
       </p:sp>
@@ -2965,7 +3002,7 @@
           <a:lstStyle/>
           <a:p>
             <a:fld id="{6D22F896-40B5-4ADD-8801-0D06FADFA095}" type="slidenum">
-              <a:rPr lang="en-US" dirty="0"/>
+              <a:rPr lang="en-US" smtClean="0"/>
               <a:t>‹#›</a:t>
             </a:fld>
             <a:endParaRPr lang="en-US" dirty="0"/>
@@ -2973,6 +3010,11 @@
         </p:txBody>
       </p:sp>
     </p:spTree>
+    <p:extLst>
+      <p:ext uri="{BB962C8B-B14F-4D97-AF65-F5344CB8AC3E}">
+        <p14:creationId xmlns:p14="http://schemas.microsoft.com/office/powerpoint/2010/main" val="2132893875"/>
+      </p:ext>
+    </p:extLst>
   </p:cSld>
   <p:clrMapOvr>
     <a:masterClrMapping/>
@@ -3114,7 +3156,7 @@
           <a:lstStyle/>
           <a:p>
             <a:fld id="{1FAF3416-4057-4DAA-829D-4CA07428D088}" type="datetimeFigureOut">
-              <a:rPr lang="en-US" dirty="0"/>
+              <a:rPr lang="en-US" smtClean="0"/>
               <a:t>10/15/2023</a:t>
             </a:fld>
             <a:endParaRPr lang="en-US" dirty="0"/>
@@ -3137,10 +3179,11 @@
           <a:lstStyle/>
           <a:p>
             <a:r>
-              <a:rPr lang="en-US" dirty="0"/>
+              <a:rPr lang="en-US"/>
               <a:t>
               </a:t>
             </a:r>
+            <a:endParaRPr lang="en-US" dirty="0"/>
           </a:p>
         </p:txBody>
       </p:sp>
@@ -3160,7 +3203,7 @@
           <a:lstStyle/>
           <a:p>
             <a:fld id="{6D22F896-40B5-4ADD-8801-0D06FADFA095}" type="slidenum">
-              <a:rPr lang="en-US" dirty="0"/>
+              <a:rPr lang="en-US" smtClean="0"/>
               <a:t>‹#›</a:t>
             </a:fld>
             <a:endParaRPr lang="en-US" dirty="0"/>
@@ -3209,6 +3252,11 @@
         </p:txBody>
       </p:sp>
     </p:spTree>
+    <p:extLst>
+      <p:ext uri="{BB962C8B-B14F-4D97-AF65-F5344CB8AC3E}">
+        <p14:creationId xmlns:p14="http://schemas.microsoft.com/office/powerpoint/2010/main" val="1040857617"/>
+      </p:ext>
+    </p:extLst>
   </p:cSld>
   <p:clrMapOvr>
     <a:masterClrMapping/>
@@ -3327,7 +3375,7 @@
           <a:lstStyle/>
           <a:p>
             <a:fld id="{921D9284-D300-4297-87F7-E791DCC15DB1}" type="datetimeFigureOut">
-              <a:rPr lang="en-US" dirty="0"/>
+              <a:rPr lang="en-US" smtClean="0"/>
               <a:t>10/15/2023</a:t>
             </a:fld>
             <a:endParaRPr lang="en-US" dirty="0"/>
@@ -3350,10 +3398,11 @@
           <a:lstStyle/>
           <a:p>
             <a:r>
-              <a:rPr lang="en-US" dirty="0"/>
+              <a:rPr lang="en-US"/>
               <a:t>
               </a:t>
             </a:r>
+            <a:endParaRPr lang="en-US" dirty="0"/>
           </a:p>
         </p:txBody>
       </p:sp>
@@ -3373,7 +3422,7 @@
           <a:lstStyle/>
           <a:p>
             <a:fld id="{6D22F896-40B5-4ADD-8801-0D06FADFA095}" type="slidenum">
-              <a:rPr lang="en-US" dirty="0"/>
+              <a:rPr lang="en-US" smtClean="0"/>
               <a:t>‹#›</a:t>
             </a:fld>
             <a:endParaRPr lang="en-US" dirty="0"/>
@@ -3381,6 +3430,11 @@
         </p:txBody>
       </p:sp>
     </p:spTree>
+    <p:extLst>
+      <p:ext uri="{BB962C8B-B14F-4D97-AF65-F5344CB8AC3E}">
+        <p14:creationId xmlns:p14="http://schemas.microsoft.com/office/powerpoint/2010/main" val="1169246764"/>
+      </p:ext>
+    </p:extLst>
   </p:cSld>
   <p:clrMapOvr>
     <a:masterClrMapping/>
@@ -3581,7 +3635,7 @@
             <a:pPr lvl="0"/>
             <a:r>
               <a:rPr lang="en-US"/>
-              <a:t>Edit Master text styles</a:t>
+              <a:t>Click to edit Master text styles</a:t>
             </a:r>
           </a:p>
           <a:p>
@@ -3675,7 +3729,7 @@
             <a:pPr lvl="0"/>
             <a:r>
               <a:rPr lang="en-US"/>
-              <a:t>Edit Master text styles</a:t>
+              <a:t>Click to edit Master text styles</a:t>
             </a:r>
           </a:p>
         </p:txBody>
@@ -3696,7 +3750,7 @@
           <a:lstStyle/>
           <a:p>
             <a:fld id="{37D525BB-DA17-4BA0-B3C8-3AC3ABC827E6}" type="datetimeFigureOut">
-              <a:rPr lang="en-US" dirty="0"/>
+              <a:rPr lang="en-US" smtClean="0"/>
               <a:t>10/15/2023</a:t>
             </a:fld>
             <a:endParaRPr lang="en-US" dirty="0"/>
@@ -3719,10 +3773,11 @@
           <a:lstStyle/>
           <a:p>
             <a:r>
-              <a:rPr lang="en-US" dirty="0"/>
+              <a:rPr lang="en-US"/>
               <a:t>
               </a:t>
             </a:r>
+            <a:endParaRPr lang="en-US" dirty="0"/>
           </a:p>
         </p:txBody>
       </p:sp>
@@ -3742,7 +3797,7 @@
           <a:lstStyle/>
           <a:p>
             <a:fld id="{6D22F896-40B5-4ADD-8801-0D06FADFA095}" type="slidenum">
-              <a:rPr lang="en-US" dirty="0"/>
+              <a:rPr lang="en-US" smtClean="0"/>
               <a:t>‹#›</a:t>
             </a:fld>
             <a:endParaRPr lang="en-US" dirty="0"/>
@@ -3750,6 +3805,11 @@
         </p:txBody>
       </p:sp>
     </p:spTree>
+    <p:extLst>
+      <p:ext uri="{BB962C8B-B14F-4D97-AF65-F5344CB8AC3E}">
+        <p14:creationId xmlns:p14="http://schemas.microsoft.com/office/powerpoint/2010/main" val="4165400309"/>
+      </p:ext>
+    </p:extLst>
   </p:cSld>
   <p:clrMapOvr>
     <a:masterClrMapping/>
@@ -4078,7 +4138,7 @@
             <a:pPr lvl="0"/>
             <a:r>
               <a:rPr lang="en-US"/>
-              <a:t>Edit Master text styles</a:t>
+              <a:t>Click to edit Master text styles</a:t>
             </a:r>
           </a:p>
         </p:txBody>
@@ -4099,7 +4159,7 @@
           <a:lstStyle/>
           <a:p>
             <a:fld id="{B16C4C9A-3960-41CF-A4E9-2A8FB932454B}" type="datetimeFigureOut">
-              <a:rPr lang="en-US" dirty="0"/>
+              <a:rPr lang="en-US" smtClean="0"/>
               <a:t>10/15/2023</a:t>
             </a:fld>
             <a:endParaRPr lang="en-US" dirty="0"/>
@@ -4122,10 +4182,11 @@
           <a:lstStyle/>
           <a:p>
             <a:r>
-              <a:rPr lang="en-US" dirty="0"/>
+              <a:rPr lang="en-US"/>
               <a:t>
               </a:t>
             </a:r>
+            <a:endParaRPr lang="en-US" dirty="0"/>
           </a:p>
         </p:txBody>
       </p:sp>
@@ -4145,7 +4206,7 @@
           <a:lstStyle/>
           <a:p>
             <a:fld id="{6D22F896-40B5-4ADD-8801-0D06FADFA095}" type="slidenum">
-              <a:rPr lang="en-US" dirty="0"/>
+              <a:rPr lang="en-US" smtClean="0"/>
               <a:t>‹#›</a:t>
             </a:fld>
             <a:endParaRPr lang="en-US" dirty="0"/>
@@ -4153,6 +4214,11 @@
         </p:txBody>
       </p:sp>
     </p:spTree>
+    <p:extLst>
+      <p:ext uri="{BB962C8B-B14F-4D97-AF65-F5344CB8AC3E}">
+        <p14:creationId xmlns:p14="http://schemas.microsoft.com/office/powerpoint/2010/main" val="2763772843"/>
+      </p:ext>
+    </p:extLst>
   </p:cSld>
   <p:clrMapOvr>
     <a:masterClrMapping/>
@@ -4340,65 +4406,38 @@
           <a:p>
             <a:pPr lvl="0"/>
             <a:r>
-              <a:rPr lang="en-US" dirty="0"/>
-              <a:t>Edit Master text styles</a:t>
+              <a:rPr lang="en-US"/>
+              <a:t>Click to edit Master text styles</a:t>
             </a:r>
           </a:p>
           <a:p>
             <a:pPr lvl="1"/>
             <a:r>
-              <a:rPr lang="en-US" dirty="0"/>
+              <a:rPr lang="en-US"/>
               <a:t>Second level</a:t>
             </a:r>
           </a:p>
           <a:p>
             <a:pPr lvl="2"/>
             <a:r>
-              <a:rPr lang="en-US" dirty="0"/>
+              <a:rPr lang="en-US"/>
               <a:t>Third level</a:t>
             </a:r>
           </a:p>
           <a:p>
             <a:pPr lvl="3"/>
             <a:r>
-              <a:rPr lang="en-US" dirty="0"/>
+              <a:rPr lang="en-US"/>
               <a:t>Fourth level</a:t>
             </a:r>
           </a:p>
           <a:p>
             <a:pPr lvl="4"/>
             <a:r>
-              <a:rPr lang="en-US" dirty="0"/>
+              <a:rPr lang="en-US"/>
               <a:t>Fifth level</a:t>
             </a:r>
-          </a:p>
-          <a:p>
-            <a:pPr lvl="5"/>
-            <a:r>
-              <a:rPr lang="en-US" dirty="0"/>
-              <a:t>Sixth level</a:t>
-            </a:r>
-          </a:p>
-          <a:p>
-            <a:pPr lvl="6"/>
-            <a:r>
-              <a:rPr lang="en-US" dirty="0"/>
-              <a:t>Seventh level</a:t>
-            </a:r>
-          </a:p>
-          <a:p>
-            <a:pPr lvl="7"/>
-            <a:r>
-              <a:rPr lang="en-US" dirty="0"/>
-              <a:t>Eigth level</a:t>
-            </a:r>
-          </a:p>
-          <a:p>
-            <a:pPr lvl="8"/>
-            <a:r>
-              <a:rPr lang="en-US" dirty="0"/>
-              <a:t>Ninth level</a:t>
-            </a:r>
+            <a:endParaRPr lang="en-US" dirty="0"/>
           </a:p>
         </p:txBody>
       </p:sp>
@@ -4437,7 +4476,7 @@
           </a:lstStyle>
           <a:p>
             <a:fld id="{3CBC1C18-307B-4F68-A007-B5B542270E8D}" type="datetimeFigureOut">
-              <a:rPr lang="en-US" dirty="0"/>
+              <a:rPr lang="en-US" smtClean="0"/>
               <a:t>10/15/2023</a:t>
             </a:fld>
             <a:endParaRPr lang="en-US" dirty="0"/>
@@ -4478,10 +4517,11 @@
           </a:lstStyle>
           <a:p>
             <a:r>
-              <a:rPr lang="en-US" dirty="0"/>
+              <a:rPr lang="en-US"/>
               <a:t>
               </a:t>
             </a:r>
+            <a:endParaRPr lang="en-US" dirty="0"/>
           </a:p>
         </p:txBody>
       </p:sp>
@@ -4519,7 +4559,7 @@
           </a:lstStyle>
           <a:p>
             <a:fld id="{6D22F896-40B5-4ADD-8801-0D06FADFA095}" type="slidenum">
-              <a:rPr lang="en-US" dirty="0"/>
+              <a:rPr lang="en-US" smtClean="0"/>
               <a:pPr/>
               <a:t>‹#›</a:t>
             </a:fld>
@@ -4566,20 +4606,25 @@
         </p:style>
       </p:sp>
     </p:spTree>
+    <p:extLst>
+      <p:ext uri="{BB962C8B-B14F-4D97-AF65-F5344CB8AC3E}">
+        <p14:creationId xmlns:p14="http://schemas.microsoft.com/office/powerpoint/2010/main" val="2669295607"/>
+      </p:ext>
+    </p:extLst>
   </p:cSld>
   <p:clrMap bg1="dk1" tx1="lt1" bg2="dk2" tx2="lt2" accent1="accent1" accent2="accent2" accent3="accent3" accent4="accent4" accent5="accent5" accent6="accent6" hlink="hlink" folHlink="folHlink"/>
   <p:sldLayoutIdLst>
-    <p:sldLayoutId id="2147483649" r:id="rId1"/>
-    <p:sldLayoutId id="2147483650" r:id="rId2"/>
-    <p:sldLayoutId id="2147483651" r:id="rId3"/>
-    <p:sldLayoutId id="2147483652" r:id="rId4"/>
-    <p:sldLayoutId id="2147483653" r:id="rId5"/>
-    <p:sldLayoutId id="2147483654" r:id="rId6"/>
-    <p:sldLayoutId id="2147483655" r:id="rId7"/>
-    <p:sldLayoutId id="2147483656" r:id="rId8"/>
-    <p:sldLayoutId id="2147483657" r:id="rId9"/>
-    <p:sldLayoutId id="2147483658" r:id="rId10"/>
-    <p:sldLayoutId id="2147483659" r:id="rId11"/>
+    <p:sldLayoutId id="2147483661" r:id="rId1"/>
+    <p:sldLayoutId id="2147483662" r:id="rId2"/>
+    <p:sldLayoutId id="2147483663" r:id="rId3"/>
+    <p:sldLayoutId id="2147483664" r:id="rId4"/>
+    <p:sldLayoutId id="2147483665" r:id="rId5"/>
+    <p:sldLayoutId id="2147483666" r:id="rId6"/>
+    <p:sldLayoutId id="2147483667" r:id="rId7"/>
+    <p:sldLayoutId id="2147483668" r:id="rId8"/>
+    <p:sldLayoutId id="2147483669" r:id="rId9"/>
+    <p:sldLayoutId id="2147483670" r:id="rId10"/>
+    <p:sldLayoutId id="2147483671" r:id="rId11"/>
   </p:sldLayoutIdLst>
   <p:hf sldNum="0" hdr="0" ftr="0" dt="0"/>
   <p:txStyles>
@@ -4604,12 +4649,12 @@
       </a:lvl1pPr>
     </p:titleStyle>
     <p:bodyStyle>
-      <a:lvl1pPr marL="344488" indent="-344488" algn="l" defTabSz="914400" rtl="0" eaLnBrk="1" latinLnBrk="0" hangingPunct="1">
+      <a:lvl1pPr marL="344488" indent="-338328" algn="l" defTabSz="914400" rtl="0" eaLnBrk="1" latinLnBrk="0" hangingPunct="1">
         <a:lnSpc>
           <a:spcPct val="120000"/>
         </a:lnSpc>
         <a:spcBef>
-          <a:spcPts val="1000"/>
+          <a:spcPts val="500"/>
         </a:spcBef>
         <a:spcAft>
           <a:spcPts val="600"/>
@@ -4630,7 +4675,7 @@
           <a:cs typeface="+mn-cs"/>
         </a:defRPr>
       </a:lvl1pPr>
-      <a:lvl2pPr marL="795338" indent="-338138" algn="l" defTabSz="914400" rtl="0" eaLnBrk="1" latinLnBrk="0" hangingPunct="1">
+      <a:lvl2pPr marL="795338" indent="-338328" algn="l" defTabSz="914400" rtl="0" eaLnBrk="1" latinLnBrk="0" hangingPunct="1">
         <a:lnSpc>
           <a:spcPct val="120000"/>
         </a:lnSpc>
@@ -4656,7 +4701,7 @@
           <a:cs typeface="+mn-cs"/>
         </a:defRPr>
       </a:lvl2pPr>
-      <a:lvl3pPr marL="1258888" indent="-344488" algn="l" defTabSz="914400" rtl="0" eaLnBrk="1" latinLnBrk="0" hangingPunct="1">
+      <a:lvl3pPr marL="1258888" indent="-338328" algn="l" defTabSz="914400" rtl="0" eaLnBrk="1" latinLnBrk="0" hangingPunct="1">
         <a:lnSpc>
           <a:spcPct val="120000"/>
         </a:lnSpc>
@@ -4682,7 +4727,7 @@
           <a:cs typeface="+mn-cs"/>
         </a:defRPr>
       </a:lvl3pPr>
-      <a:lvl4pPr marL="1709738" indent="-338138" algn="l" defTabSz="914400" rtl="0" eaLnBrk="1" latinLnBrk="0" hangingPunct="1">
+      <a:lvl4pPr marL="1709738" indent="-338328" algn="l" defTabSz="914400" rtl="0" eaLnBrk="1" latinLnBrk="0" hangingPunct="1">
         <a:lnSpc>
           <a:spcPct val="120000"/>
         </a:lnSpc>
@@ -4708,7 +4753,7 @@
           <a:cs typeface="+mn-cs"/>
         </a:defRPr>
       </a:lvl4pPr>
-      <a:lvl5pPr marL="2173288" indent="-344488" algn="l" defTabSz="914400" rtl="0" eaLnBrk="1" latinLnBrk="0" hangingPunct="1">
+      <a:lvl5pPr marL="2173288" indent="-338328" algn="l" defTabSz="914400" rtl="0" eaLnBrk="1" latinLnBrk="0" hangingPunct="1">
         <a:lnSpc>
           <a:spcPct val="120000"/>
         </a:lnSpc>
@@ -4750,7 +4795,7 @@
         <a:buSzPct val="90000"/>
         <a:buFont typeface="Wingdings" panose="05000000000000000000" pitchFamily="2" charset="2"/>
         <a:buChar char="§"/>
-        <a:defRPr sz="1200" kern="1200" baseline="0">
+        <a:defRPr sz="1200" kern="1200">
           <a:solidFill>
             <a:schemeClr val="tx1"/>
           </a:solidFill>
@@ -4776,7 +4821,7 @@
         <a:buSzPct val="90000"/>
         <a:buFont typeface="Wingdings" panose="05000000000000000000" pitchFamily="2" charset="2"/>
         <a:buChar char="§"/>
-        <a:defRPr sz="1200" kern="1200" baseline="0">
+        <a:defRPr sz="1200" kern="1200">
           <a:solidFill>
             <a:schemeClr val="tx1"/>
           </a:solidFill>
@@ -4802,7 +4847,7 @@
         <a:buSzPct val="90000"/>
         <a:buFont typeface="Wingdings" panose="05000000000000000000" pitchFamily="2" charset="2"/>
         <a:buChar char="§"/>
-        <a:defRPr sz="1200" kern="1200" baseline="0">
+        <a:defRPr sz="1200" kern="1200">
           <a:solidFill>
             <a:schemeClr val="tx1"/>
           </a:solidFill>
@@ -4828,7 +4873,7 @@
         <a:buSzPct val="90000"/>
         <a:buFont typeface="Wingdings" panose="05000000000000000000" pitchFamily="2" charset="2"/>
         <a:buChar char="§"/>
-        <a:defRPr sz="1200" kern="1200" baseline="0">
+        <a:defRPr sz="1200" kern="1200">
           <a:solidFill>
             <a:schemeClr val="tx1"/>
           </a:solidFill>
@@ -5084,19 +5129,19 @@
           <a:p>
             <a:r>
               <a:rPr lang="en-AU" dirty="0"/>
-              <a:t>The aim was to ascertain if adding data from the Australian Bureau of Statistics (ABS) to some publically available housing data would increase the predictive power of the model.</a:t>
+              <a:t>The aim was to ascertain if adding publicly available data from the Australian Bureau of Statistics (ABS) to some housing data would increase the model's predictive power.</a:t>
             </a:r>
           </a:p>
           <a:p>
             <a:r>
               <a:rPr lang="en-AU" dirty="0"/>
-              <a:t>Melbourne housing data was enriched with data from the ABS, this data was then modelled with two different regression models to predict the selling price. </a:t>
+              <a:t>Melbourne housing data was enriched with data from the ABS. This data was then modelled with two regression models to predict the selling price. </a:t>
             </a:r>
           </a:p>
           <a:p>
             <a:r>
               <a:rPr lang="en-AU" dirty="0"/>
-              <a:t>The additional data added some value to the models but the final results was insufficient to accurately predict house prices.</a:t>
+              <a:t>The additional data may have added some value to the models, but the results did not accurately predict house prices.</a:t>
             </a:r>
           </a:p>
         </p:txBody>
@@ -5166,7 +5211,7 @@
         <p:spPr/>
         <p:txBody>
           <a:bodyPr>
-            <a:normAutofit lnSpcReduction="10000"/>
+            <a:normAutofit/>
           </a:bodyPr>
           <a:lstStyle/>
           <a:p>
@@ -5343,7 +5388,15 @@
             <a:pPr lvl="1"/>
             <a:r>
               <a:rPr lang="en-AU" dirty="0"/>
-              <a:t>Housing Data (Postcode) -&gt; Postcode to LGA -&gt; ABS Data (LGA Code) </a:t>
+              <a:t>Housing Data (Postcode, </a:t>
+            </a:r>
+            <a:r>
+              <a:rPr lang="en-AU" dirty="0" err="1"/>
+              <a:t>CouncilArea</a:t>
+            </a:r>
+            <a:r>
+              <a:rPr lang="en-AU" dirty="0"/>
+              <a:t>) -&gt; Postcode to LGA -&gt; ABS Data (LGA Code, Label) </a:t>
             </a:r>
           </a:p>
           <a:p>
@@ -5426,7 +5479,7 @@
         <p:spPr/>
         <p:txBody>
           <a:bodyPr>
-            <a:normAutofit fontScale="92500" lnSpcReduction="20000"/>
+            <a:normAutofit fontScale="92500" lnSpcReduction="10000"/>
           </a:bodyPr>
           <a:lstStyle/>
           <a:p>
@@ -5669,14 +5722,14 @@
             <a:pPr lvl="1"/>
             <a:r>
               <a:rPr lang="en-AU" dirty="0"/>
-              <a:t>As the KNN model gave the best result it was used to test the impact of the ABS data a version of the model was built without the ABS metrics</a:t>
+              <a:t>As the KNN model gave the best result, it was used to test the impact of the ABS data. A version of the model was built without the ABS metrics</a:t>
             </a:r>
           </a:p>
           <a:p>
             <a:pPr lvl="1"/>
             <a:r>
               <a:rPr lang="en-AU" dirty="0"/>
-              <a:t>The model built without the ABS data had slightly worse evaluation metrics showing that the ABS data does add some additional detail and has some value</a:t>
+              <a:t>The model built without the ABS data had slightly better evaluation metrics, showing that the ABS data may not add additional detail</a:t>
             </a:r>
           </a:p>
           <a:p>
@@ -5712,34 +5765,34 @@
         <a:sysClr val="window" lastClr="FFFFFF"/>
       </a:lt1>
       <a:dk2>
-        <a:srgbClr val="1F2D29"/>
+        <a:srgbClr val="1F282E"/>
       </a:dk2>
       <a:lt2>
-        <a:srgbClr val="C5FAEB"/>
+        <a:srgbClr val="C2F5FC"/>
       </a:lt2>
       <a:accent1>
-        <a:srgbClr val="A1D68B"/>
+        <a:srgbClr val="4091F3"/>
       </a:accent1>
       <a:accent2>
-        <a:srgbClr val="5EC795"/>
+        <a:srgbClr val="8BBCF1"/>
       </a:accent2>
       <a:accent3>
-        <a:srgbClr val="4DADCF"/>
+        <a:srgbClr val="CB6A6A"/>
       </a:accent3>
       <a:accent4>
-        <a:srgbClr val="CDB756"/>
+        <a:srgbClr val="C567AF"/>
       </a:accent4>
       <a:accent5>
-        <a:srgbClr val="E29C36"/>
+        <a:srgbClr val="A684F9"/>
       </a:accent5>
       <a:accent6>
-        <a:srgbClr val="8EC0C1"/>
+        <a:srgbClr val="A9ACEE"/>
       </a:accent6>
       <a:hlink>
-        <a:srgbClr val="6D9D9B"/>
+        <a:srgbClr val="6D9CC5"/>
       </a:hlink>
       <a:folHlink>
-        <a:srgbClr val="6D8583"/>
+        <a:srgbClr val="6D82A0"/>
       </a:folHlink>
     </a:clrScheme>
     <a:fontScheme name="Madison">
@@ -5916,7 +5969,7 @@
   <a:extraClrSchemeLst/>
   <a:extLst>
     <a:ext uri="{05A4C25C-085E-4340-85A3-A5531E510DB2}">
-      <thm15:themeFamily xmlns:thm15="http://schemas.microsoft.com/office/thememl/2012/main" name="Madison" id="{025CB5FB-2DD3-45EE-B6F0-CC461540EB19}" vid="{6AC10936-2DFC-4054-9ADF-B5E2C5F86190}"/>
+      <thm15:themeFamily xmlns:thm15="http://schemas.microsoft.com/office/thememl/2012/main" name="Madison" id="{025CB5FB-2DD3-45EE-B6F0-CC461540EB19}" vid="{178B2DAB-5DDE-4060-A857-D2E1CDA9250F}"/>
     </a:ext>
   </a:extLst>
 </a:theme>
@@ -6184,23 +6237,6 @@
 </file>
 
 <file path=customXml/item1.xml><?xml version="1.0" encoding="utf-8"?>
-<p:properties xmlns:p="http://schemas.microsoft.com/office/2006/metadata/properties" xmlns:xsi="http://www.w3.org/2001/XMLSchema-instance" xmlns:pc="http://schemas.microsoft.com/office/infopath/2007/PartnerControls">
-  <documentManagement>
-    <_activity xmlns="a161f655-de07-42c1-b8e2-6bd7c9378883" xsi:nil="true"/>
-  </documentManagement>
-</p:properties>
-</file>
-
-<file path=customXml/item2.xml><?xml version="1.0" encoding="utf-8"?>
-<?mso-contentType ?>
-<FormTemplates xmlns="http://schemas.microsoft.com/sharepoint/v3/contenttype/forms">
-  <Display>DocumentLibraryForm</Display>
-  <Edit>DocumentLibraryForm</Edit>
-  <New>DocumentLibraryForm</New>
-</FormTemplates>
-</file>
-
-<file path=customXml/item3.xml><?xml version="1.0" encoding="utf-8"?>
 <ct:contentTypeSchema xmlns:ct="http://schemas.microsoft.com/office/2006/metadata/contentType" xmlns:ma="http://schemas.microsoft.com/office/2006/metadata/properties/metaAttributes" ct:_="" ma:_="" ma:contentTypeName="Document" ma:contentTypeID="0x01010088F8E1234B49F643893919969B8D5D02" ma:contentTypeVersion="15" ma:contentTypeDescription="Create a new document." ma:contentTypeScope="" ma:versionID="82045407d7fd2fa25bc84ce9ac2205ee">
   <xsd:schema xmlns:xsd="http://www.w3.org/2001/XMLSchema" xmlns:xs="http://www.w3.org/2001/XMLSchema" xmlns:p="http://schemas.microsoft.com/office/2006/metadata/properties" xmlns:ns3="a161f655-de07-42c1-b8e2-6bd7c9378883" xmlns:ns4="ecaae422-067c-40ab-9ece-ce4c9c8aaeb3" targetNamespace="http://schemas.microsoft.com/office/2006/metadata/properties" ma:root="true" ma:fieldsID="117c039b3883551b694ee3bb65cd82b0" ns3:_="" ns4:_="">
     <xsd:import namespace="a161f655-de07-42c1-b8e2-6bd7c9378883"/>
@@ -6435,32 +6471,24 @@
 </ct:contentTypeSchema>
 </file>
 
-<file path=customXml/itemProps1.xml><?xml version="1.0" encoding="utf-8"?>
-<ds:datastoreItem xmlns:ds="http://schemas.openxmlformats.org/officeDocument/2006/customXml" ds:itemID="{A25DE7CF-520E-4982-B161-D490C641AA78}">
-  <ds:schemaRefs>
-    <ds:schemaRef ds:uri="http://schemas.microsoft.com/office/2006/metadata/properties"/>
-    <ds:schemaRef ds:uri="http://purl.org/dc/elements/1.1/"/>
-    <ds:schemaRef ds:uri="http://purl.org/dc/terms/"/>
-    <ds:schemaRef ds:uri="http://schemas.microsoft.com/office/2006/documentManagement/types"/>
-    <ds:schemaRef ds:uri="http://purl.org/dc/dcmitype/"/>
-    <ds:schemaRef ds:uri="http://schemas.microsoft.com/office/infopath/2007/PartnerControls"/>
-    <ds:schemaRef ds:uri="a161f655-de07-42c1-b8e2-6bd7c9378883"/>
-    <ds:schemaRef ds:uri="ecaae422-067c-40ab-9ece-ce4c9c8aaeb3"/>
-    <ds:schemaRef ds:uri="http://schemas.openxmlformats.org/package/2006/metadata/core-properties"/>
-    <ds:schemaRef ds:uri="http://www.w3.org/XML/1998/namespace"/>
-  </ds:schemaRefs>
-</ds:datastoreItem>
+<file path=customXml/item2.xml><?xml version="1.0" encoding="utf-8"?>
+<?mso-contentType ?>
+<FormTemplates xmlns="http://schemas.microsoft.com/sharepoint/v3/contenttype/forms">
+  <Display>DocumentLibraryForm</Display>
+  <Edit>DocumentLibraryForm</Edit>
+  <New>DocumentLibraryForm</New>
+</FormTemplates>
 </file>
 
-<file path=customXml/itemProps2.xml><?xml version="1.0" encoding="utf-8"?>
-<ds:datastoreItem xmlns:ds="http://schemas.openxmlformats.org/officeDocument/2006/customXml" ds:itemID="{5A5C6204-93B7-4569-B9D0-41A5B46E423B}">
-  <ds:schemaRefs>
-    <ds:schemaRef ds:uri="http://schemas.microsoft.com/sharepoint/v3/contenttype/forms"/>
-  </ds:schemaRefs>
-</ds:datastoreItem>
+<file path=customXml/item3.xml><?xml version="1.0" encoding="utf-8"?>
+<p:properties xmlns:p="http://schemas.microsoft.com/office/2006/metadata/properties" xmlns:xsi="http://www.w3.org/2001/XMLSchema-instance" xmlns:pc="http://schemas.microsoft.com/office/infopath/2007/PartnerControls">
+  <documentManagement>
+    <_activity xmlns="a161f655-de07-42c1-b8e2-6bd7c9378883" xsi:nil="true"/>
+  </documentManagement>
+</p:properties>
 </file>
 
-<file path=customXml/itemProps3.xml><?xml version="1.0" encoding="utf-8"?>
+<file path=customXml/itemProps1.xml><?xml version="1.0" encoding="utf-8"?>
 <ds:datastoreItem xmlns:ds="http://schemas.openxmlformats.org/officeDocument/2006/customXml" ds:itemID="{47B91AF0-F266-4DD3-884D-8EF87802B381}">
   <ds:schemaRefs>
     <ds:schemaRef ds:uri="http://schemas.microsoft.com/office/2006/metadata/contentType"/>
@@ -6477,4 +6505,29 @@
     <ds:schemaRef ds:uri="http://schemas.microsoft.com/internal/obd"/>
   </ds:schemaRefs>
 </ds:datastoreItem>
+</file>
+
+<file path=customXml/itemProps2.xml><?xml version="1.0" encoding="utf-8"?>
+<ds:datastoreItem xmlns:ds="http://schemas.openxmlformats.org/officeDocument/2006/customXml" ds:itemID="{5A5C6204-93B7-4569-B9D0-41A5B46E423B}">
+  <ds:schemaRefs>
+    <ds:schemaRef ds:uri="http://schemas.microsoft.com/sharepoint/v3/contenttype/forms"/>
+  </ds:schemaRefs>
+</ds:datastoreItem>
+</file>
+
+<file path=customXml/itemProps3.xml><?xml version="1.0" encoding="utf-8"?>
+<ds:datastoreItem xmlns:ds="http://schemas.openxmlformats.org/officeDocument/2006/customXml" ds:itemID="{A25DE7CF-520E-4982-B161-D490C641AA78}">
+  <ds:schemaRefs>
+    <ds:schemaRef ds:uri="http://schemas.microsoft.com/office/2006/metadata/properties"/>
+    <ds:schemaRef ds:uri="http://purl.org/dc/elements/1.1/"/>
+    <ds:schemaRef ds:uri="http://purl.org/dc/terms/"/>
+    <ds:schemaRef ds:uri="http://schemas.microsoft.com/office/2006/documentManagement/types"/>
+    <ds:schemaRef ds:uri="http://purl.org/dc/dcmitype/"/>
+    <ds:schemaRef ds:uri="http://schemas.microsoft.com/office/infopath/2007/PartnerControls"/>
+    <ds:schemaRef ds:uri="a161f655-de07-42c1-b8e2-6bd7c9378883"/>
+    <ds:schemaRef ds:uri="ecaae422-067c-40ab-9ece-ce4c9c8aaeb3"/>
+    <ds:schemaRef ds:uri="http://schemas.openxmlformats.org/package/2006/metadata/core-properties"/>
+    <ds:schemaRef ds:uri="http://www.w3.org/XML/1998/namespace"/>
+  </ds:schemaRefs>
+</ds:datastoreItem>
 </file>